--- a/src/atom_typing/typing/PCFF.pptx
+++ b/src/atom_typing/typing/PCFF.pptx
@@ -312,7 +312,7 @@
           <a:p>
             <a:fld id="{AB72640F-BD89-1B4E-8DE6-6BC8D159B288}" type="datetimeFigureOut">
               <a:rPr lang="en-US" smtClean="0"/>
-              <a:t>2/8/2023</a:t>
+              <a:t>3/28/2025</a:t>
             </a:fld>
             <a:endParaRPr lang="en-US" dirty="0"/>
           </a:p>
@@ -478,7 +478,7 @@
           <a:p>
             <a:fld id="{BB3B8903-371A-0A4A-9A08-C84E682E1EA9}" type="datetimeFigureOut">
               <a:rPr lang="en-US" smtClean="0"/>
-              <a:t>2/8/2023</a:t>
+              <a:t>3/28/2025</a:t>
             </a:fld>
             <a:endParaRPr lang="en-US" dirty="0"/>
           </a:p>
@@ -32533,7 +32533,7 @@
         <p:spPr>
           <a:xfrm>
             <a:off x="142407" y="2443192"/>
-            <a:ext cx="8649945" cy="1446550"/>
+            <a:ext cx="8649945" cy="1107996"/>
           </a:xfrm>
           <a:prstGeom prst="rect">
             <a:avLst/>
@@ -32547,7 +32547,7 @@
           <a:lstStyle/>
           <a:p>
             <a:r>
-              <a:rPr lang="en-US" sz="1400" b="1" dirty="0">
+              <a:rPr lang="en-US" sz="1100" b="1" dirty="0">
                 <a:solidFill>
                   <a:schemeClr val="accent4">
                     <a:lumMod val="60000"/>
@@ -32558,11 +32558,11 @@
               <a:t>If </a:t>
             </a:r>
             <a:r>
-              <a:rPr lang="en-US" sz="1400" dirty="0"/>
+              <a:rPr lang="en-US" sz="1100" dirty="0"/>
               <a:t>atom type == </a:t>
             </a:r>
             <a:r>
-              <a:rPr lang="en-US" sz="1400" dirty="0">
+              <a:rPr lang="en-US" sz="1100" dirty="0">
                 <a:solidFill>
                   <a:srgbClr val="92D050"/>
                 </a:solidFill>
@@ -32570,11 +32570,11 @@
               <a:t>’C’</a:t>
             </a:r>
             <a:r>
-              <a:rPr lang="en-US" sz="1400" dirty="0"/>
+              <a:rPr lang="en-US" sz="1100" dirty="0"/>
               <a:t> </a:t>
             </a:r>
             <a:r>
-              <a:rPr lang="en-US" sz="1400" b="1" dirty="0">
+              <a:rPr lang="en-US" sz="1100" b="1" dirty="0">
                 <a:solidFill>
                   <a:schemeClr val="accent4">
                     <a:lumMod val="60000"/>
@@ -32585,11 +32585,11 @@
               <a:t>and</a:t>
             </a:r>
             <a:r>
-              <a:rPr lang="en-US" sz="1400" dirty="0"/>
+              <a:rPr lang="en-US" sz="1100" dirty="0"/>
               <a:t> num of connects == </a:t>
             </a:r>
             <a:r>
-              <a:rPr lang="en-US" sz="1400" b="1" dirty="0">
+              <a:rPr lang="en-US" sz="1100" b="1" dirty="0">
                 <a:solidFill>
                   <a:srgbClr val="FFC000"/>
                 </a:solidFill>
@@ -32597,17 +32597,17 @@
               <a:t>3</a:t>
             </a:r>
             <a:r>
-              <a:rPr lang="en-US" sz="1400" dirty="0"/>
+              <a:rPr lang="en-US" sz="1100" dirty="0"/>
               <a:t>:</a:t>
             </a:r>
           </a:p>
           <a:p>
             <a:r>
-              <a:rPr lang="en-US" sz="1400" dirty="0"/>
+              <a:rPr lang="en-US" sz="1100" dirty="0"/>
               <a:t>	 </a:t>
             </a:r>
             <a:r>
-              <a:rPr lang="en-US" sz="1400" dirty="0">
+              <a:rPr lang="en-US" sz="1100" dirty="0">
                 <a:solidFill>
                   <a:schemeClr val="bg1">
                     <a:lumMod val="65000"/>
@@ -32619,11 +32619,11 @@
           </a:p>
           <a:p>
             <a:r>
-              <a:rPr lang="en-US" sz="1400" dirty="0"/>
+              <a:rPr lang="en-US" sz="1100" dirty="0"/>
               <a:t>	</a:t>
             </a:r>
             <a:r>
-              <a:rPr lang="en-US" sz="1400" b="1" dirty="0">
+              <a:rPr lang="en-US" sz="1100" b="1" dirty="0">
                 <a:solidFill>
                   <a:schemeClr val="accent4">
                     <a:lumMod val="60000"/>
@@ -32634,11 +32634,11 @@
               <a:t> elif </a:t>
             </a:r>
             <a:r>
-              <a:rPr lang="en-US" sz="1400" dirty="0"/>
+              <a:rPr lang="en-US" sz="1100" dirty="0"/>
               <a:t>ring_size == </a:t>
             </a:r>
             <a:r>
-              <a:rPr lang="en-US" sz="1400" b="1" dirty="0">
+              <a:rPr lang="en-US" sz="1100" b="1" dirty="0">
                 <a:solidFill>
                   <a:srgbClr val="FFC000"/>
                 </a:solidFill>
@@ -32646,11 +32646,11 @@
               <a:t>0</a:t>
             </a:r>
             <a:r>
-              <a:rPr lang="en-US" sz="1400" dirty="0"/>
+              <a:rPr lang="en-US" sz="1100" dirty="0"/>
               <a:t> </a:t>
             </a:r>
             <a:r>
-              <a:rPr lang="en-US" sz="1400" b="1" dirty="0">
+              <a:rPr lang="en-US" sz="1100" b="1" dirty="0">
                 <a:solidFill>
                   <a:schemeClr val="accent4">
                     <a:lumMod val="60000"/>
@@ -32661,11 +32661,11 @@
               <a:t>and</a:t>
             </a:r>
             <a:r>
-              <a:rPr lang="en-US" sz="1400" dirty="0"/>
+              <a:rPr lang="en-US" sz="1100" dirty="0"/>
               <a:t> elements1.count(</a:t>
             </a:r>
             <a:r>
-              <a:rPr lang="en-US" sz="1400" dirty="0">
+              <a:rPr lang="en-US" sz="1100" dirty="0">
                 <a:solidFill>
                   <a:srgbClr val="92D050"/>
                 </a:solidFill>
@@ -32673,11 +32673,11 @@
               <a:t>’C’</a:t>
             </a:r>
             <a:r>
-              <a:rPr lang="en-US" sz="1400" dirty="0"/>
+              <a:rPr lang="en-US" sz="1100" dirty="0"/>
               <a:t>) == </a:t>
             </a:r>
             <a:r>
-              <a:rPr lang="en-US" sz="1400" b="1" dirty="0">
+              <a:rPr lang="en-US" sz="1100" b="1" dirty="0">
                 <a:solidFill>
                   <a:srgbClr val="FFC000"/>
                 </a:solidFill>
@@ -32685,7 +32685,7 @@
               <a:t>2 </a:t>
             </a:r>
             <a:r>
-              <a:rPr lang="en-US" sz="1400" b="1" dirty="0">
+              <a:rPr lang="en-US" sz="1100" b="1" dirty="0">
                 <a:solidFill>
                   <a:schemeClr val="accent4">
                     <a:lumMod val="60000"/>
@@ -32696,11 +32696,11 @@
               <a:t>and</a:t>
             </a:r>
             <a:r>
-              <a:rPr lang="en-US" sz="1400" dirty="0"/>
+              <a:rPr lang="en-US" sz="1100" dirty="0"/>
               <a:t> elements1.count(</a:t>
             </a:r>
             <a:r>
-              <a:rPr lang="en-US" sz="1400" dirty="0">
+              <a:rPr lang="en-US" sz="1100" dirty="0">
                 <a:solidFill>
                   <a:srgbClr val="92D050"/>
                 </a:solidFill>
@@ -32708,67 +32708,19 @@
               <a:t>’N’</a:t>
             </a:r>
             <a:r>
-              <a:rPr lang="en-US" sz="1400" dirty="0"/>
+              <a:rPr lang="en-US" sz="1100" dirty="0"/>
               <a:t>) == </a:t>
             </a:r>
             <a:r>
-              <a:rPr lang="en-US" sz="1400" b="1" dirty="0">
+              <a:rPr lang="en-US" sz="1100" b="1" dirty="0">
                 <a:solidFill>
                   <a:srgbClr val="FFC000"/>
                 </a:solidFill>
               </a:rPr>
-              <a:t>1</a:t>
-            </a:r>
-            <a:r>
-              <a:rPr lang="en-US" sz="1400" dirty="0"/>
-              <a:t>:</a:t>
-            </a:r>
-          </a:p>
-          <a:p>
-            <a:r>
-              <a:rPr lang="en-US" sz="1400" dirty="0"/>
-              <a:t>	        </a:t>
-            </a:r>
-            <a:r>
-              <a:rPr lang="en-US" sz="1400" dirty="0" err="1"/>
-              <a:t>nta</a:t>
-            </a:r>
-            <a:r>
-              <a:rPr lang="en-US" sz="1400" dirty="0"/>
-              <a:t>[atom-id] = </a:t>
-            </a:r>
-            <a:r>
-              <a:rPr lang="en-US" sz="1400" dirty="0">
-                <a:solidFill>
-                  <a:srgbClr val="92D050"/>
-                </a:solidFill>
-              </a:rPr>
-              <a:t>’</a:t>
-            </a:r>
-            <a:r>
-              <a:rPr lang="en-US" sz="1400" dirty="0" err="1">
-                <a:solidFill>
-                  <a:srgbClr val="92D050"/>
-                </a:solidFill>
-              </a:rPr>
-              <a:t>cr</a:t>
-            </a:r>
-            <a:r>
-              <a:rPr lang="en-US" sz="1400" dirty="0">
-                <a:solidFill>
-                  <a:srgbClr val="92D050"/>
-                </a:solidFill>
-              </a:rPr>
-              <a:t>’</a:t>
-            </a:r>
-          </a:p>
-          <a:p>
-            <a:r>
-              <a:rPr lang="en-US" sz="1400" dirty="0"/>
-              <a:t>	</a:t>
-            </a:r>
-            <a:r>
-              <a:rPr lang="en-US" sz="1400" b="1" dirty="0">
+              <a:t>1 </a:t>
+            </a:r>
+            <a:r>
+              <a:rPr lang="en-US" sz="1100" b="1" dirty="0">
                 <a:solidFill>
                   <a:schemeClr val="accent4">
                     <a:lumMod val="60000"/>
@@ -32776,10 +32728,70 @@
                   </a:schemeClr>
                 </a:solidFill>
               </a:rPr>
-              <a:t> </a:t>
-            </a:r>
-            <a:r>
-              <a:rPr lang="en-US" sz="1400" b="1" dirty="0" err="1">
+              <a:t>and</a:t>
+            </a:r>
+            <a:r>
+              <a:rPr lang="en-US" sz="1100" dirty="0"/>
+              <a:t> formula == </a:t>
+            </a:r>
+            <a:r>
+              <a:rPr lang="en-US" sz="1100" dirty="0">
+                <a:solidFill>
+                  <a:srgbClr val="92D050"/>
+                </a:solidFill>
+              </a:rPr>
+              <a:t>’C6-H14-N4-O2’</a:t>
+            </a:r>
+            <a:r>
+              <a:rPr lang="en-US" sz="1100" dirty="0"/>
+              <a:t>:</a:t>
+            </a:r>
+          </a:p>
+          <a:p>
+            <a:r>
+              <a:rPr lang="en-US" sz="1100" dirty="0"/>
+              <a:t>	        </a:t>
+            </a:r>
+            <a:r>
+              <a:rPr lang="en-US" sz="1100" dirty="0" err="1"/>
+              <a:t>nta</a:t>
+            </a:r>
+            <a:r>
+              <a:rPr lang="en-US" sz="1100" dirty="0"/>
+              <a:t>[atom-id] = </a:t>
+            </a:r>
+            <a:r>
+              <a:rPr lang="en-US" sz="1100" dirty="0">
+                <a:solidFill>
+                  <a:srgbClr val="92D050"/>
+                </a:solidFill>
+              </a:rPr>
+              <a:t>’</a:t>
+            </a:r>
+            <a:r>
+              <a:rPr lang="en-US" sz="1100" dirty="0" err="1">
+                <a:solidFill>
+                  <a:srgbClr val="92D050"/>
+                </a:solidFill>
+              </a:rPr>
+              <a:t>cr</a:t>
+            </a:r>
+            <a:r>
+              <a:rPr lang="en-US" sz="1100" dirty="0">
+                <a:solidFill>
+                  <a:srgbClr val="92D050"/>
+                </a:solidFill>
+              </a:rPr>
+              <a:t>’</a:t>
+            </a:r>
+          </a:p>
+          <a:p>
+            <a:r>
+              <a:rPr lang="en-US" sz="1100" dirty="0"/>
+              <a:t>	</a:t>
+            </a:r>
+            <a:r>
+              <a:rPr lang="en-US" sz="1100" b="1" dirty="0">
                 <a:solidFill>
                   <a:schemeClr val="accent4">
                     <a:lumMod val="60000"/>
@@ -32787,10 +32799,10 @@
                   </a:schemeClr>
                 </a:solidFill>
               </a:rPr>
-              <a:t>elif</a:t>
-            </a:r>
-            <a:r>
-              <a:rPr lang="en-US" sz="1400" b="1" dirty="0">
+              <a:t> </a:t>
+            </a:r>
+            <a:r>
+              <a:rPr lang="en-US" sz="1100" b="1" dirty="0" err="1">
                 <a:solidFill>
                   <a:schemeClr val="accent4">
                     <a:lumMod val="60000"/>
@@ -32798,30 +32810,10 @@
                   </a:schemeClr>
                 </a:solidFill>
               </a:rPr>
-              <a:t> </a:t>
-            </a:r>
-            <a:r>
-              <a:rPr lang="en-US" sz="1400" dirty="0" err="1"/>
-              <a:t>ring_size</a:t>
-            </a:r>
-            <a:r>
-              <a:rPr lang="en-US" sz="1400" dirty="0"/>
-              <a:t> == </a:t>
-            </a:r>
-            <a:r>
-              <a:rPr lang="en-US" sz="1400" b="1" dirty="0">
-                <a:solidFill>
-                  <a:srgbClr val="FFC000"/>
-                </a:solidFill>
-              </a:rPr>
-              <a:t>0</a:t>
-            </a:r>
-            <a:r>
-              <a:rPr lang="en-US" sz="1400" dirty="0"/>
-              <a:t> </a:t>
-            </a:r>
-            <a:r>
-              <a:rPr lang="en-US" sz="1400" b="1" dirty="0">
+              <a:t>elif</a:t>
+            </a:r>
+            <a:r>
+              <a:rPr lang="en-US" sz="1100" b="1" dirty="0">
                 <a:solidFill>
                   <a:schemeClr val="accent4">
                     <a:lumMod val="60000"/>
@@ -32829,14 +32821,45 @@
                   </a:schemeClr>
                 </a:solidFill>
               </a:rPr>
+              <a:t> </a:t>
+            </a:r>
+            <a:r>
+              <a:rPr lang="en-US" sz="1100" dirty="0" err="1"/>
+              <a:t>ring_size</a:t>
+            </a:r>
+            <a:r>
+              <a:rPr lang="en-US" sz="1100" dirty="0"/>
+              <a:t> == </a:t>
+            </a:r>
+            <a:r>
+              <a:rPr lang="en-US" sz="1100" b="1" dirty="0">
+                <a:solidFill>
+                  <a:srgbClr val="FFC000"/>
+                </a:solidFill>
+              </a:rPr>
+              <a:t>0</a:t>
+            </a:r>
+            <a:r>
+              <a:rPr lang="en-US" sz="1100" dirty="0"/>
+              <a:t> </a:t>
+            </a:r>
+            <a:r>
+              <a:rPr lang="en-US" sz="1100" b="1" dirty="0">
+                <a:solidFill>
+                  <a:schemeClr val="accent4">
+                    <a:lumMod val="60000"/>
+                    <a:lumOff val="40000"/>
+                  </a:schemeClr>
+                </a:solidFill>
+              </a:rPr>
               <a:t>and</a:t>
             </a:r>
             <a:r>
-              <a:rPr lang="en-US" sz="1400" dirty="0"/>
+              <a:rPr lang="en-US" sz="1100" dirty="0"/>
               <a:t> elements1.count(</a:t>
             </a:r>
             <a:r>
-              <a:rPr lang="en-US" sz="1400" dirty="0">
+              <a:rPr lang="en-US" sz="1100" dirty="0">
                 <a:solidFill>
                   <a:srgbClr val="92D050"/>
                 </a:solidFill>
@@ -32844,37 +32867,65 @@
               <a:t>’N’</a:t>
             </a:r>
             <a:r>
-              <a:rPr lang="en-US" sz="1400" dirty="0"/>
-              <a:t>) == </a:t>
-            </a:r>
-            <a:r>
-              <a:rPr lang="en-US" sz="1400" b="1" dirty="0">
+              <a:rPr lang="en-US" sz="1100" dirty="0"/>
+              <a:t>) </a:t>
+            </a:r>
+            <a:r>
+              <a:rPr lang="en-US" sz="1100"/>
+              <a:t>== </a:t>
+            </a:r>
+            <a:r>
+              <a:rPr lang="en-US" sz="1100" b="1">
                 <a:solidFill>
                   <a:srgbClr val="FFC000"/>
                 </a:solidFill>
               </a:rPr>
-              <a:t>3</a:t>
-            </a:r>
-            <a:r>
-              <a:rPr lang="en-US" sz="1400" dirty="0"/>
+              <a:t>3 </a:t>
+            </a:r>
+            <a:r>
+              <a:rPr lang="en-US" sz="1100" b="1">
+                <a:solidFill>
+                  <a:schemeClr val="accent4">
+                    <a:lumMod val="60000"/>
+                    <a:lumOff val="40000"/>
+                  </a:schemeClr>
+                </a:solidFill>
+              </a:rPr>
+              <a:t>and</a:t>
+            </a:r>
+            <a:r>
+              <a:rPr lang="en-US" sz="1100"/>
+              <a:t> formula == </a:t>
+            </a:r>
+            <a:r>
+              <a:rPr lang="en-US" sz="1100">
+                <a:solidFill>
+                  <a:srgbClr val="92D050"/>
+                </a:solidFill>
+              </a:rPr>
+              <a:t>’C6-H14-N4-O2’</a:t>
+            </a:r>
+            <a:r>
+              <a:rPr lang="en-US" sz="1100"/>
               <a:t>:</a:t>
             </a:r>
-          </a:p>
-          <a:p>
-            <a:r>
-              <a:rPr lang="en-US" sz="1400" dirty="0"/>
+            <a:endParaRPr lang="en-US" sz="1100" dirty="0"/>
+          </a:p>
+          <a:p>
+            <a:r>
+              <a:rPr lang="en-US" sz="1100" dirty="0"/>
               <a:t>	 	</a:t>
             </a:r>
             <a:r>
-              <a:rPr lang="en-US" sz="1400" dirty="0" err="1"/>
+              <a:rPr lang="en-US" sz="1100" dirty="0" err="1"/>
               <a:t>nta</a:t>
             </a:r>
             <a:r>
-              <a:rPr lang="en-US" sz="1400" dirty="0"/>
+              <a:rPr lang="en-US" sz="1100" dirty="0"/>
               <a:t>[atom-id] = </a:t>
             </a:r>
             <a:r>
-              <a:rPr lang="en-US" sz="1400" dirty="0">
+              <a:rPr lang="en-US" sz="1100" dirty="0">
                 <a:solidFill>
                   <a:srgbClr val="92D050"/>
                 </a:solidFill>
@@ -32882,7 +32933,7 @@
               <a:t>’</a:t>
             </a:r>
             <a:r>
-              <a:rPr lang="en-US" sz="1400" dirty="0" err="1">
+              <a:rPr lang="en-US" sz="1100" dirty="0" err="1">
                 <a:solidFill>
                   <a:srgbClr val="92D050"/>
                 </a:solidFill>
@@ -32890,7 +32941,7 @@
               <a:t>cr</a:t>
             </a:r>
             <a:r>
-              <a:rPr lang="en-US" sz="1400" dirty="0">
+              <a:rPr lang="en-US" sz="1100" dirty="0">
                 <a:solidFill>
                   <a:srgbClr val="92D050"/>
                 </a:solidFill>
@@ -32898,7 +32949,7 @@
               <a:t>’</a:t>
             </a:r>
             <a:r>
-              <a:rPr lang="en-US" dirty="0"/>
+              <a:rPr lang="en-US" sz="1100" dirty="0"/>
               <a:t>	</a:t>
             </a:r>
           </a:p>
